--- a/ESILV - Python for data analysis - devoir.pptx
+++ b/ESILV - Python for data analysis - devoir.pptx
@@ -13,6 +13,7 @@
     <p:sldId id="261" r:id="rId10"/>
     <p:sldId id="262" r:id="rId11"/>
     <p:sldId id="263" r:id="rId12"/>
+    <p:sldId id="264" r:id="rId13"/>
   </p:sldIdLst>
   <p:sldSz cx="12192000" cy="6858000"/>
   <p:notesSz cx="6858000" cy="9144000"/>
@@ -7705,10 +7706,47 @@
         </p:nvSpPr>
         <p:spPr/>
         <p:txBody>
-          <a:bodyPr/>
+          <a:bodyPr>
+            <a:normAutofit/>
+          </a:bodyPr>
           <a:lstStyle/>
           <a:p>
-            <a:endParaRPr lang="fr-FR" dirty="0"/>
+            <a:r>
+              <a:rPr lang="fr-FR" dirty="0"/>
+              <a:t>Dans un premier temps, je convertis toutes les valeurs de type </a:t>
+            </a:r>
+            <a:r>
+              <a:rPr lang="fr-FR" dirty="0" err="1"/>
+              <a:t>object</a:t>
+            </a:r>
+            <a:r>
+              <a:rPr lang="fr-FR" dirty="0"/>
+              <a:t> dans des types que je peux traiter</a:t>
+            </a:r>
+          </a:p>
+          <a:p>
+            <a:r>
+              <a:rPr lang="fr-FR" dirty="0"/>
+              <a:t>Je calcule ensuite le temps de résolution en faisant la différence entre le moment où le ticket est fermé et le moment où le ticket est ouvert</a:t>
+            </a:r>
+          </a:p>
+          <a:p>
+            <a:r>
+              <a:rPr lang="fr-FR" dirty="0"/>
+              <a:t>Je fais ensuite une matrice de corrélation pour déterminer quelles sont les données qui peuvent être corrélé au temps de résolution. </a:t>
+            </a:r>
+          </a:p>
+          <a:p>
+            <a:r>
+              <a:rPr lang="fr-FR" dirty="0"/>
+              <a:t>Je supprime ensuite toutes les colonnes qui ne me sont pas nécessaires </a:t>
+            </a:r>
+          </a:p>
+          <a:p>
+            <a:r>
+              <a:rPr lang="fr-FR" dirty="0"/>
+              <a:t>Suite à ça je refais une matrice de corrélation pour avoir</a:t>
+            </a:r>
           </a:p>
         </p:txBody>
       </p:sp>
@@ -7716,6 +7754,115 @@
     <p:extLst>
       <p:ext uri="{BB962C8B-B14F-4D97-AF65-F5344CB8AC3E}">
         <p14:creationId xmlns:p14="http://schemas.microsoft.com/office/powerpoint/2010/main" val="1582958007"/>
+      </p:ext>
+    </p:extLst>
+  </p:cSld>
+  <p:clrMapOvr>
+    <a:masterClrMapping/>
+  </p:clrMapOvr>
+</p:sld>
+</file>
+
+<file path=ppt/slides/slide9.xml><?xml version="1.0" encoding="utf-8"?>
+<p:sld xmlns:a="http://schemas.openxmlformats.org/drawingml/2006/main" xmlns:r="http://schemas.openxmlformats.org/officeDocument/2006/relationships" xmlns:p="http://schemas.openxmlformats.org/presentationml/2006/main">
+  <p:cSld>
+    <p:spTree>
+      <p:nvGrpSpPr>
+        <p:cNvPr id="1" name=""/>
+        <p:cNvGrpSpPr/>
+        <p:nvPr/>
+      </p:nvGrpSpPr>
+      <p:grpSpPr>
+        <a:xfrm>
+          <a:off x="0" y="0"/>
+          <a:ext cx="0" cy="0"/>
+          <a:chOff x="0" y="0"/>
+          <a:chExt cx="0" cy="0"/>
+        </a:xfrm>
+      </p:grpSpPr>
+      <p:sp>
+        <p:nvSpPr>
+          <p:cNvPr id="2" name="Titre 1">
+            <a:extLst>
+              <a:ext uri="{FF2B5EF4-FFF2-40B4-BE49-F238E27FC236}">
+                <a16:creationId xmlns:a16="http://schemas.microsoft.com/office/drawing/2014/main" id="{44C2757A-EE02-4B0C-8CE1-D9B28A1EE969}"/>
+              </a:ext>
+            </a:extLst>
+          </p:cNvPr>
+          <p:cNvSpPr>
+            <a:spLocks noGrp="1"/>
+          </p:cNvSpPr>
+          <p:nvPr>
+            <p:ph type="title"/>
+          </p:nvPr>
+        </p:nvSpPr>
+        <p:spPr/>
+        <p:txBody>
+          <a:bodyPr/>
+          <a:lstStyle/>
+          <a:p>
+            <a:endParaRPr lang="fr-FR"/>
+          </a:p>
+        </p:txBody>
+      </p:sp>
+      <p:sp>
+        <p:nvSpPr>
+          <p:cNvPr id="3" name="Espace réservé du contenu 2">
+            <a:extLst>
+              <a:ext uri="{FF2B5EF4-FFF2-40B4-BE49-F238E27FC236}">
+                <a16:creationId xmlns:a16="http://schemas.microsoft.com/office/drawing/2014/main" id="{D463AACA-D8C8-47FE-9F11-ECA50BE661C7}"/>
+              </a:ext>
+            </a:extLst>
+          </p:cNvPr>
+          <p:cNvSpPr>
+            <a:spLocks noGrp="1"/>
+          </p:cNvSpPr>
+          <p:nvPr>
+            <p:ph idx="1"/>
+          </p:nvPr>
+        </p:nvSpPr>
+        <p:spPr/>
+        <p:txBody>
+          <a:bodyPr/>
+          <a:lstStyle/>
+          <a:p>
+            <a:r>
+              <a:rPr lang="fr-FR" dirty="0"/>
+              <a:t>Je réalise quelques graph pour illustrer les différentes corrélations </a:t>
+            </a:r>
+          </a:p>
+          <a:p>
+            <a:endParaRPr lang="fr-FR" dirty="0"/>
+          </a:p>
+          <a:p>
+            <a:r>
+              <a:rPr lang="fr-FR" dirty="0"/>
+              <a:t>Et j’exécute un modèle de arbre de régression et un </a:t>
+            </a:r>
+            <a:r>
+              <a:rPr lang="fr-FR" dirty="0" err="1"/>
+              <a:t>grid</a:t>
+            </a:r>
+            <a:r>
+              <a:rPr lang="fr-FR" dirty="0"/>
+              <a:t> </a:t>
+            </a:r>
+            <a:r>
+              <a:rPr lang="fr-FR" dirty="0" err="1"/>
+              <a:t>search</a:t>
+            </a:r>
+            <a:r>
+              <a:rPr lang="fr-FR"/>
+              <a:t>. </a:t>
+            </a:r>
+            <a:endParaRPr lang="fr-FR" dirty="0"/>
+          </a:p>
+        </p:txBody>
+      </p:sp>
+    </p:spTree>
+    <p:extLst>
+      <p:ext uri="{BB962C8B-B14F-4D97-AF65-F5344CB8AC3E}">
+        <p14:creationId xmlns:p14="http://schemas.microsoft.com/office/powerpoint/2010/main" val="2263237309"/>
       </p:ext>
     </p:extLst>
   </p:cSld>
@@ -8021,21 +8168,6 @@
 </file>
 
 <file path=customXml/item1.xml><?xml version="1.0" encoding="utf-8"?>
-<p:properties xmlns:p="http://schemas.microsoft.com/office/2006/metadata/properties" xmlns:xsi="http://www.w3.org/2001/XMLSchema-instance" xmlns:pc="http://schemas.microsoft.com/office/infopath/2007/PartnerControls">
-  <documentManagement/>
-</p:properties>
-</file>
-
-<file path=customXml/item2.xml><?xml version="1.0" encoding="utf-8"?>
-<?mso-contentType ?>
-<FormTemplates xmlns="http://schemas.microsoft.com/sharepoint/v3/contenttype/forms">
-  <Display>DocumentLibraryForm</Display>
-  <Edit>DocumentLibraryForm</Edit>
-  <New>DocumentLibraryForm</New>
-</FormTemplates>
-</file>
-
-<file path=customXml/item3.xml><?xml version="1.0" encoding="utf-8"?>
 <ct:contentTypeSchema xmlns:ct="http://schemas.microsoft.com/office/2006/metadata/contentType" xmlns:ma="http://schemas.microsoft.com/office/2006/metadata/properties/metaAttributes" ct:_="" ma:_="" ma:contentTypeName="Document" ma:contentTypeID="0x01010033C893630C110242BB34EA59B4FBC9E4" ma:contentTypeVersion="8" ma:contentTypeDescription="Crée un document." ma:contentTypeScope="" ma:versionID="1cfad282d92d0da01faef18be2a85a16">
   <xsd:schema xmlns:xsd="http://www.w3.org/2001/XMLSchema" xmlns:xs="http://www.w3.org/2001/XMLSchema" xmlns:p="http://schemas.microsoft.com/office/2006/metadata/properties" xmlns:ns3="487ff69c-9ee5-4b74-a0d4-75d7a0d02d72" targetNamespace="http://schemas.microsoft.com/office/2006/metadata/properties" ma:root="true" ma:fieldsID="6c0210eb1ff1b0caa26d66ab6f639a9d" ns3:_="">
     <xsd:import namespace="487ff69c-9ee5-4b74-a0d4-75d7a0d02d72"/>
@@ -8205,24 +8337,22 @@
 </ct:contentTypeSchema>
 </file>
 
-<file path=customXml/itemProps1.xml><?xml version="1.0" encoding="utf-8"?>
-<ds:datastoreItem xmlns:ds="http://schemas.openxmlformats.org/officeDocument/2006/customXml" ds:itemID="{D20475D9-3D38-4C09-B293-D86C1C55610F}">
-  <ds:schemaRefs>
-    <ds:schemaRef ds:uri="http://schemas.microsoft.com/office/2006/metadata/properties"/>
-    <ds:schemaRef ds:uri="http://schemas.microsoft.com/office/infopath/2007/PartnerControls"/>
-  </ds:schemaRefs>
-</ds:datastoreItem>
+<file path=customXml/item2.xml><?xml version="1.0" encoding="utf-8"?>
+<?mso-contentType ?>
+<FormTemplates xmlns="http://schemas.microsoft.com/sharepoint/v3/contenttype/forms">
+  <Display>DocumentLibraryForm</Display>
+  <Edit>DocumentLibraryForm</Edit>
+  <New>DocumentLibraryForm</New>
+</FormTemplates>
 </file>
 
-<file path=customXml/itemProps2.xml><?xml version="1.0" encoding="utf-8"?>
-<ds:datastoreItem xmlns:ds="http://schemas.openxmlformats.org/officeDocument/2006/customXml" ds:itemID="{D57991D6-BEBA-4EEB-A116-7E6826F48DCE}">
-  <ds:schemaRefs>
-    <ds:schemaRef ds:uri="http://schemas.microsoft.com/sharepoint/v3/contenttype/forms"/>
-  </ds:schemaRefs>
-</ds:datastoreItem>
+<file path=customXml/item3.xml><?xml version="1.0" encoding="utf-8"?>
+<p:properties xmlns:p="http://schemas.microsoft.com/office/2006/metadata/properties" xmlns:xsi="http://www.w3.org/2001/XMLSchema-instance" xmlns:pc="http://schemas.microsoft.com/office/infopath/2007/PartnerControls">
+  <documentManagement/>
+</p:properties>
 </file>
 
-<file path=customXml/itemProps3.xml><?xml version="1.0" encoding="utf-8"?>
+<file path=customXml/itemProps1.xml><?xml version="1.0" encoding="utf-8"?>
 <ds:datastoreItem xmlns:ds="http://schemas.openxmlformats.org/officeDocument/2006/customXml" ds:itemID="{D1E193EC-2964-4B65-A5ED-82ECA025C6E1}">
   <ds:schemaRefs>
     <ds:schemaRef ds:uri="http://schemas.microsoft.com/office/2006/metadata/contentType"/>
@@ -8238,4 +8368,21 @@
     <ds:schemaRef ds:uri="http://schemas.microsoft.com/internal/obd"/>
   </ds:schemaRefs>
 </ds:datastoreItem>
+</file>
+
+<file path=customXml/itemProps2.xml><?xml version="1.0" encoding="utf-8"?>
+<ds:datastoreItem xmlns:ds="http://schemas.openxmlformats.org/officeDocument/2006/customXml" ds:itemID="{D57991D6-BEBA-4EEB-A116-7E6826F48DCE}">
+  <ds:schemaRefs>
+    <ds:schemaRef ds:uri="http://schemas.microsoft.com/sharepoint/v3/contenttype/forms"/>
+  </ds:schemaRefs>
+</ds:datastoreItem>
+</file>
+
+<file path=customXml/itemProps3.xml><?xml version="1.0" encoding="utf-8"?>
+<ds:datastoreItem xmlns:ds="http://schemas.openxmlformats.org/officeDocument/2006/customXml" ds:itemID="{D20475D9-3D38-4C09-B293-D86C1C55610F}">
+  <ds:schemaRefs>
+    <ds:schemaRef ds:uri="http://schemas.microsoft.com/office/2006/metadata/properties"/>
+    <ds:schemaRef ds:uri="http://schemas.microsoft.com/office/infopath/2007/PartnerControls"/>
+  </ds:schemaRefs>
+</ds:datastoreItem>
 </file>